--- a/examples/candy.pptx
+++ b/examples/candy.pptx
@@ -4287,8 +4287,8 @@
         </p:nvSpPr>
         <p:spPr>
           <a:xfrm>
-            <a:off x="1532340" y="2360780"/>
-            <a:ext cx="745463" cy="773121"/>
+            <a:off x="2990635" y="2839136"/>
+            <a:ext cx="727405" cy="773121"/>
           </a:xfrm>
           <a:prstGeom prst="rect">
             <a:avLst/>
